--- a/Project ppt.pptx
+++ b/Project ppt.pptx
@@ -226,7 +226,7 @@
           <a:p>
             <a:fld id="{46256A78-79A6-408F-8148-4F87BB81602D}" type="datetimeFigureOut">
               <a:rPr lang="en-IN" smtClean="0"/>
-              <a:t>18-02-2025</a:t>
+              <a:t>19-02-2025</a:t>
             </a:fld>
             <a:endParaRPr lang="en-IN"/>
           </a:p>
@@ -730,7 +730,7 @@
           <a:p>
             <a:fld id="{ED291B17-9318-49DB-B28B-6E5994AE9581}" type="datetime1">
               <a:rPr lang="en-US" smtClean="0"/>
-              <a:t>2/18/2025</a:t>
+              <a:t>2/19/2025</a:t>
             </a:fld>
             <a:endParaRPr lang="en-US"/>
           </a:p>
@@ -939,7 +939,7 @@
           <a:p>
             <a:fld id="{2CED4963-E985-44C4-B8C4-FDD613B7C2F8}" type="datetime1">
               <a:rPr lang="en-US" smtClean="0"/>
-              <a:t>2/18/2025</a:t>
+              <a:t>2/19/2025</a:t>
             </a:fld>
             <a:endParaRPr lang="en-US"/>
           </a:p>
@@ -1307,7 +1307,7 @@
           <a:p>
             <a:fld id="{ED291B17-9318-49DB-B28B-6E5994AE9581}" type="datetime1">
               <a:rPr lang="en-US" smtClean="0"/>
-              <a:t>2/18/2025</a:t>
+              <a:t>2/19/2025</a:t>
             </a:fld>
             <a:endParaRPr lang="en-US"/>
           </a:p>
@@ -1511,7 +1511,7 @@
           <a:p>
             <a:fld id="{78DD82B9-B8EE-4375-B6FF-88FA6ABB15D9}" type="datetime1">
               <a:rPr lang="en-US" smtClean="0"/>
-              <a:t>2/18/2025</a:t>
+              <a:t>2/19/2025</a:t>
             </a:fld>
             <a:endParaRPr lang="en-US"/>
           </a:p>
@@ -1768,7 +1768,7 @@
           <a:p>
             <a:fld id="{B2497495-0637-405E-AE64-5CC7506D51F5}" type="datetime1">
               <a:rPr lang="en-US" smtClean="0"/>
-              <a:t>2/18/2025</a:t>
+              <a:t>2/19/2025</a:t>
             </a:fld>
             <a:endParaRPr lang="en-US"/>
           </a:p>
@@ -2026,7 +2026,7 @@
           <a:p>
             <a:fld id="{7BFFD690-9426-415D-8B65-26881E07B2D4}" type="datetime1">
               <a:rPr lang="en-US" smtClean="0"/>
-              <a:t>2/18/2025</a:t>
+              <a:t>2/19/2025</a:t>
             </a:fld>
             <a:endParaRPr lang="en-US"/>
           </a:p>
@@ -2453,7 +2453,7 @@
           <a:p>
             <a:fld id="{04C4989A-474C-40DE-95B9-011C28B71673}" type="datetime1">
               <a:rPr lang="en-US" smtClean="0"/>
-              <a:t>2/18/2025</a:t>
+              <a:t>2/19/2025</a:t>
             </a:fld>
             <a:endParaRPr lang="en-US"/>
           </a:p>
@@ -2583,7 +2583,7 @@
           <a:p>
             <a:fld id="{5DB4ED54-5B5E-4A04-93D3-5772E3CE3818}" type="datetime1">
               <a:rPr lang="en-US" smtClean="0"/>
-              <a:t>2/18/2025</a:t>
+              <a:t>2/19/2025</a:t>
             </a:fld>
             <a:endParaRPr lang="en-US"/>
           </a:p>
@@ -2686,7 +2686,7 @@
           <a:p>
             <a:fld id="{4EDE50D6-574B-40AF-946F-D52A04ADE379}" type="datetime1">
               <a:rPr lang="en-US" smtClean="0"/>
-              <a:t>2/18/2025</a:t>
+              <a:t>2/19/2025</a:t>
             </a:fld>
             <a:endParaRPr lang="en-US"/>
           </a:p>
@@ -3069,7 +3069,7 @@
           <a:p>
             <a:fld id="{D82884F1-FFEA-405F-9602-3DCA865EDA4E}" type="datetime1">
               <a:rPr lang="en-US" smtClean="0"/>
-              <a:t>2/18/2025</a:t>
+              <a:t>2/19/2025</a:t>
             </a:fld>
             <a:endParaRPr lang="en-US"/>
           </a:p>
@@ -3363,7 +3363,7 @@
           <a:p>
             <a:fld id="{7E18DB4A-8810-4A10-AD5C-D5E2C667F5B3}" type="datetime1">
               <a:rPr lang="en-US" smtClean="0"/>
-              <a:t>2/18/2025</a:t>
+              <a:t>2/19/2025</a:t>
             </a:fld>
             <a:endParaRPr lang="en-US"/>
           </a:p>
@@ -3584,7 +3584,7 @@
           <a:p>
             <a:fld id="{ED291B17-9318-49DB-B28B-6E5994AE9581}" type="datetime1">
               <a:rPr lang="en-US" smtClean="0"/>
-              <a:t>2/18/2025</a:t>
+              <a:t>2/19/2025</a:t>
             </a:fld>
             <a:endParaRPr lang="en-US"/>
           </a:p>
@@ -4565,7 +4565,7 @@
         </p:nvSpPr>
         <p:spPr bwMode="auto">
           <a:xfrm>
-            <a:off x="581192" y="2207529"/>
+            <a:off x="535670" y="1666755"/>
             <a:ext cx="9917780" cy="2862322"/>
           </a:xfrm>
           <a:prstGeom prst="rect">
@@ -7366,7 +7366,7 @@
         </p:blipFill>
         <p:spPr>
           <a:xfrm>
-            <a:off x="8080494" y="1719693"/>
+            <a:off x="7539074" y="1615398"/>
             <a:ext cx="3162741" cy="600159"/>
           </a:xfrm>
         </p:spPr>
@@ -7453,7 +7453,7 @@
         </p:blipFill>
         <p:spPr>
           <a:xfrm>
-            <a:off x="8225067" y="3336296"/>
+            <a:off x="7539074" y="3436631"/>
             <a:ext cx="3581900" cy="895475"/>
           </a:xfrm>
           <a:prstGeom prst="rect">
@@ -7579,7 +7579,7 @@
         </p:nvSpPr>
         <p:spPr>
           <a:xfrm>
-            <a:off x="8998378" y="4231771"/>
+            <a:off x="8312385" y="4332106"/>
             <a:ext cx="2035278" cy="276999"/>
           </a:xfrm>
           <a:prstGeom prst="rect">
@@ -7623,7 +7623,7 @@
         </p:nvSpPr>
         <p:spPr>
           <a:xfrm>
-            <a:off x="8644225" y="2248896"/>
+            <a:off x="8102805" y="2223240"/>
             <a:ext cx="2035278" cy="276999"/>
           </a:xfrm>
           <a:prstGeom prst="rect">
@@ -7725,8 +7725,8 @@
         </p:nvSpPr>
         <p:spPr bwMode="auto">
           <a:xfrm>
-            <a:off x="739588" y="2062994"/>
-            <a:ext cx="9407302" cy="1477328"/>
+            <a:off x="739588" y="1924495"/>
+            <a:ext cx="9407302" cy="1754326"/>
           </a:xfrm>
           <a:prstGeom prst="rect">
             <a:avLst/>
@@ -7796,10 +7796,34 @@
                   <a:schemeClr val="tx1"/>
                 </a:solidFill>
                 <a:effectLst/>
-                <a:latin typeface="Arial" panose="020B0604020202020204" pitchFamily="34" charset="0"/>
               </a:rPr>
               <a:t>This project provides a secure way to hide messages within images using steganography, ensuring confidentiality. </a:t>
             </a:r>
+          </a:p>
+          <a:p>
+            <a:pPr marL="0" indent="0" defTabSz="914400" eaLnBrk="0" fontAlgn="base" hangingPunct="0">
+              <a:lnSpc>
+                <a:spcPct val="100000"/>
+              </a:lnSpc>
+              <a:spcBef>
+                <a:spcPct val="0"/>
+              </a:spcBef>
+              <a:spcAft>
+                <a:spcPct val="0"/>
+              </a:spcAft>
+              <a:buClrTx/>
+              <a:buSzTx/>
+              <a:buNone/>
+            </a:pPr>
+            <a:endParaRPr kumimoji="0" lang="en-US" altLang="en-US" sz="1800" b="0" i="0" u="none" strike="noStrike" cap="none" normalizeH="0" baseline="0" dirty="0">
+              <a:ln>
+                <a:noFill/>
+              </a:ln>
+              <a:solidFill>
+                <a:schemeClr val="tx1"/>
+              </a:solidFill>
+              <a:effectLst/>
+            </a:endParaRPr>
           </a:p>
           <a:p>
             <a:pPr defTabSz="914400" eaLnBrk="0" fontAlgn="base" hangingPunct="0">
@@ -7824,7 +7848,6 @@
                   <a:schemeClr val="tx1"/>
                 </a:solidFill>
                 <a:effectLst/>
-                <a:latin typeface="Arial" panose="020B0604020202020204" pitchFamily="34" charset="0"/>
               </a:rPr>
               <a:t>The added passcode authentication prevents unauthorized access, making it more secure than traditional encryption. It offers a covert, efficient solution for safe data transmission in cybersecurity and other sensitive fields.</a:t>
             </a:r>
@@ -7916,8 +7939,15 @@
           <a:p>
             <a:r>
               <a:rPr lang="en-IN" dirty="0"/>
+              <a:t>Link - </a:t>
+            </a:r>
+            <a:r>
+              <a:rPr lang="en-IN" dirty="0">
+                <a:hlinkClick r:id="rId2"/>
+              </a:rPr>
               <a:t>https://github.com/Misba810/aictesteganography</a:t>
             </a:r>
+            <a:endParaRPr lang="en-IN" dirty="0"/>
           </a:p>
         </p:txBody>
       </p:sp>
@@ -8499,15 +8529,6 @@
 </file>
 
 <file path=customXml/item1.xml><?xml version="1.0" encoding="utf-8"?>
-<?mso-contentType ?>
-<FormTemplates xmlns="http://schemas.microsoft.com/sharepoint/v3/contenttype/forms">
-  <Display>DocumentLibraryForm</Display>
-  <Edit>DocumentLibraryForm</Edit>
-  <New>DocumentLibraryForm</New>
-</FormTemplates>
-</file>
-
-<file path=customXml/item2.xml><?xml version="1.0" encoding="utf-8"?>
 <ct:contentTypeSchema xmlns:ct="http://schemas.microsoft.com/office/2006/metadata/contentType" xmlns:ma="http://schemas.microsoft.com/office/2006/metadata/properties/metaAttributes" ct:_="" ma:_="" ma:contentTypeName="Document" ma:contentTypeID="0x0101007F0268AC5E70984D8FE60B7154176407" ma:contentTypeVersion="15" ma:contentTypeDescription="Create a new document." ma:contentTypeScope="" ma:versionID="104e359103f0f57b1cf9676756e5b944">
   <xsd:schema xmlns:xsd="http://www.w3.org/2001/XMLSchema" xmlns:xs="http://www.w3.org/2001/XMLSchema" xmlns:p="http://schemas.microsoft.com/office/2006/metadata/properties" xmlns:ns3="b30265f8-c5e2-4918-b4a1-b977299ca3e2" xmlns:ns4="fadb41d3-f9cb-40fb-903c-8cacaba95bb5" targetNamespace="http://schemas.microsoft.com/office/2006/metadata/properties" ma:root="true" ma:fieldsID="5615b8f8aa772998bad551f24a33de0e" ns3:_="" ns4:_="">
     <xsd:import namespace="b30265f8-c5e2-4918-b4a1-b977299ca3e2"/>
@@ -8740,6 +8761,15 @@
 </ct:contentTypeSchema>
 </file>
 
+<file path=customXml/item2.xml><?xml version="1.0" encoding="utf-8"?>
+<?mso-contentType ?>
+<FormTemplates xmlns="http://schemas.microsoft.com/sharepoint/v3/contenttype/forms">
+  <Display>DocumentLibraryForm</Display>
+  <Edit>DocumentLibraryForm</Edit>
+  <New>DocumentLibraryForm</New>
+</FormTemplates>
+</file>
+
 <file path=customXml/item3.xml><?xml version="1.0" encoding="utf-8"?>
 <p:properties xmlns:p="http://schemas.microsoft.com/office/2006/metadata/properties" xmlns:xsi="http://www.w3.org/2001/XMLSchema-instance" xmlns:pc="http://schemas.microsoft.com/office/infopath/2007/PartnerControls">
   <documentManagement>
@@ -8749,14 +8779,6 @@
 </file>
 
 <file path=customXml/itemProps1.xml><?xml version="1.0" encoding="utf-8"?>
-<ds:datastoreItem xmlns:ds="http://schemas.openxmlformats.org/officeDocument/2006/customXml" ds:itemID="{927BD4C1-B6B1-4715-ABF9-E660A51A4EA0}">
-  <ds:schemaRefs>
-    <ds:schemaRef ds:uri="http://schemas.microsoft.com/sharepoint/v3/contenttype/forms"/>
-  </ds:schemaRefs>
-</ds:datastoreItem>
-</file>
-
-<file path=customXml/itemProps2.xml><?xml version="1.0" encoding="utf-8"?>
 <ds:datastoreItem xmlns:ds="http://schemas.openxmlformats.org/officeDocument/2006/customXml" ds:itemID="{9DD71778-17EE-4151-88AE-C8F4E8043BD9}">
   <ds:schemaRefs>
     <ds:schemaRef ds:uri="http://schemas.microsoft.com/office/2006/metadata/contentType"/>
@@ -8771,6 +8793,14 @@
     <ds:schemaRef ds:uri="http://purl.org/dc/elements/1.1/"/>
     <ds:schemaRef ds:uri="http://purl.org/dc/terms/"/>
     <ds:schemaRef ds:uri="http://schemas.microsoft.com/internal/obd"/>
+  </ds:schemaRefs>
+</ds:datastoreItem>
+</file>
+
+<file path=customXml/itemProps2.xml><?xml version="1.0" encoding="utf-8"?>
+<ds:datastoreItem xmlns:ds="http://schemas.openxmlformats.org/officeDocument/2006/customXml" ds:itemID="{927BD4C1-B6B1-4715-ABF9-E660A51A4EA0}">
+  <ds:schemaRefs>
+    <ds:schemaRef ds:uri="http://schemas.microsoft.com/sharepoint/v3/contenttype/forms"/>
   </ds:schemaRefs>
 </ds:datastoreItem>
 </file>

--- a/Project ppt.pptx
+++ b/Project ppt.pptx
@@ -226,7 +226,7 @@
           <a:p>
             <a:fld id="{46256A78-79A6-408F-8148-4F87BB81602D}" type="datetimeFigureOut">
               <a:rPr lang="en-IN" smtClean="0"/>
-              <a:t>19-02-2025</a:t>
+              <a:t>23-02-2025</a:t>
             </a:fld>
             <a:endParaRPr lang="en-IN"/>
           </a:p>
@@ -730,7 +730,7 @@
           <a:p>
             <a:fld id="{ED291B17-9318-49DB-B28B-6E5994AE9581}" type="datetime1">
               <a:rPr lang="en-US" smtClean="0"/>
-              <a:t>2/19/2025</a:t>
+              <a:t>2/23/2025</a:t>
             </a:fld>
             <a:endParaRPr lang="en-US"/>
           </a:p>
@@ -939,7 +939,7 @@
           <a:p>
             <a:fld id="{2CED4963-E985-44C4-B8C4-FDD613B7C2F8}" type="datetime1">
               <a:rPr lang="en-US" smtClean="0"/>
-              <a:t>2/19/2025</a:t>
+              <a:t>2/23/2025</a:t>
             </a:fld>
             <a:endParaRPr lang="en-US"/>
           </a:p>
@@ -1307,7 +1307,7 @@
           <a:p>
             <a:fld id="{ED291B17-9318-49DB-B28B-6E5994AE9581}" type="datetime1">
               <a:rPr lang="en-US" smtClean="0"/>
-              <a:t>2/19/2025</a:t>
+              <a:t>2/23/2025</a:t>
             </a:fld>
             <a:endParaRPr lang="en-US"/>
           </a:p>
@@ -1511,7 +1511,7 @@
           <a:p>
             <a:fld id="{78DD82B9-B8EE-4375-B6FF-88FA6ABB15D9}" type="datetime1">
               <a:rPr lang="en-US" smtClean="0"/>
-              <a:t>2/19/2025</a:t>
+              <a:t>2/23/2025</a:t>
             </a:fld>
             <a:endParaRPr lang="en-US"/>
           </a:p>
@@ -1768,7 +1768,7 @@
           <a:p>
             <a:fld id="{B2497495-0637-405E-AE64-5CC7506D51F5}" type="datetime1">
               <a:rPr lang="en-US" smtClean="0"/>
-              <a:t>2/19/2025</a:t>
+              <a:t>2/23/2025</a:t>
             </a:fld>
             <a:endParaRPr lang="en-US"/>
           </a:p>
@@ -2026,7 +2026,7 @@
           <a:p>
             <a:fld id="{7BFFD690-9426-415D-8B65-26881E07B2D4}" type="datetime1">
               <a:rPr lang="en-US" smtClean="0"/>
-              <a:t>2/19/2025</a:t>
+              <a:t>2/23/2025</a:t>
             </a:fld>
             <a:endParaRPr lang="en-US"/>
           </a:p>
@@ -2453,7 +2453,7 @@
           <a:p>
             <a:fld id="{04C4989A-474C-40DE-95B9-011C28B71673}" type="datetime1">
               <a:rPr lang="en-US" smtClean="0"/>
-              <a:t>2/19/2025</a:t>
+              <a:t>2/23/2025</a:t>
             </a:fld>
             <a:endParaRPr lang="en-US"/>
           </a:p>
@@ -2583,7 +2583,7 @@
           <a:p>
             <a:fld id="{5DB4ED54-5B5E-4A04-93D3-5772E3CE3818}" type="datetime1">
               <a:rPr lang="en-US" smtClean="0"/>
-              <a:t>2/19/2025</a:t>
+              <a:t>2/23/2025</a:t>
             </a:fld>
             <a:endParaRPr lang="en-US"/>
           </a:p>
@@ -2686,7 +2686,7 @@
           <a:p>
             <a:fld id="{4EDE50D6-574B-40AF-946F-D52A04ADE379}" type="datetime1">
               <a:rPr lang="en-US" smtClean="0"/>
-              <a:t>2/19/2025</a:t>
+              <a:t>2/23/2025</a:t>
             </a:fld>
             <a:endParaRPr lang="en-US"/>
           </a:p>
@@ -3069,7 +3069,7 @@
           <a:p>
             <a:fld id="{D82884F1-FFEA-405F-9602-3DCA865EDA4E}" type="datetime1">
               <a:rPr lang="en-US" smtClean="0"/>
-              <a:t>2/19/2025</a:t>
+              <a:t>2/23/2025</a:t>
             </a:fld>
             <a:endParaRPr lang="en-US"/>
           </a:p>
@@ -3363,7 +3363,7 @@
           <a:p>
             <a:fld id="{7E18DB4A-8810-4A10-AD5C-D5E2C667F5B3}" type="datetime1">
               <a:rPr lang="en-US" smtClean="0"/>
-              <a:t>2/19/2025</a:t>
+              <a:t>2/23/2025</a:t>
             </a:fld>
             <a:endParaRPr lang="en-US"/>
           </a:p>
@@ -3584,7 +3584,7 @@
           <a:p>
             <a:fld id="{ED291B17-9318-49DB-B28B-6E5994AE9581}" type="datetime1">
               <a:rPr lang="en-US" smtClean="0"/>
-              <a:t>2/19/2025</a:t>
+              <a:t>2/23/2025</a:t>
             </a:fld>
             <a:endParaRPr lang="en-US"/>
           </a:p>
@@ -4454,7 +4454,7 @@
         </p:spPr>
         <p:txBody>
           <a:bodyPr vert="horz" lIns="91440" tIns="45720" rIns="91440" bIns="45720" rtlCol="0" anchor="b">
-            <a:normAutofit fontScale="97500"/>
+            <a:noAutofit/>
           </a:bodyPr>
           <a:lstStyle>
             <a:lvl1pPr algn="l" defTabSz="457200" rtl="0" eaLnBrk="1" latinLnBrk="0" hangingPunct="1">
@@ -4536,11 +4536,12 @@
           </a:lstStyle>
           <a:p>
             <a:r>
-              <a:rPr lang="en-US" b="1" dirty="0">
+              <a:rPr lang="en-US" sz="4000" b="1" dirty="0">
                 <a:solidFill>
                   <a:schemeClr val="accent1"/>
                 </a:solidFill>
-                <a:cs typeface="Arial"/>
+                <a:latin typeface="Arial" panose="020B0604020202020204" pitchFamily="34" charset="0"/>
+                <a:cs typeface="Arial" panose="020B0604020202020204" pitchFamily="34" charset="0"/>
               </a:rPr>
               <a:t>Future scope</a:t>
             </a:r>
@@ -4566,7 +4567,7 @@
         <p:spPr bwMode="auto">
           <a:xfrm>
             <a:off x="535670" y="1666755"/>
-            <a:ext cx="9917780" cy="2862322"/>
+            <a:ext cx="10712100" cy="2862322"/>
           </a:xfrm>
           <a:prstGeom prst="rect">
             <a:avLst/>
@@ -4639,6 +4640,8 @@
                   <a:schemeClr val="accent2"/>
                 </a:solidFill>
                 <a:effectLst/>
+                <a:latin typeface="Arial" panose="020B0604020202020204" pitchFamily="34" charset="0"/>
+                <a:cs typeface="Arial" panose="020B0604020202020204" pitchFamily="34" charset="0"/>
               </a:rPr>
               <a:t>Advanced Encryption Integration: </a:t>
             </a:r>
@@ -4651,6 +4654,8 @@
                   <a:schemeClr val="tx1"/>
                 </a:solidFill>
                 <a:effectLst/>
+                <a:latin typeface="Arial" panose="020B0604020202020204" pitchFamily="34" charset="0"/>
+                <a:cs typeface="Arial" panose="020B0604020202020204" pitchFamily="34" charset="0"/>
               </a:rPr>
               <a:t>Combining steganography with encryption for enhanced security. </a:t>
             </a:r>
@@ -4680,6 +4685,8 @@
                 <a:schemeClr val="accent2"/>
               </a:solidFill>
               <a:effectLst/>
+              <a:latin typeface="Arial" panose="020B0604020202020204" pitchFamily="34" charset="0"/>
+              <a:cs typeface="Arial" panose="020B0604020202020204" pitchFamily="34" charset="0"/>
             </a:endParaRPr>
           </a:p>
           <a:p>
@@ -4708,6 +4715,8 @@
                   <a:schemeClr val="accent2"/>
                 </a:solidFill>
                 <a:effectLst/>
+                <a:latin typeface="Arial" panose="020B0604020202020204" pitchFamily="34" charset="0"/>
+                <a:cs typeface="Arial" panose="020B0604020202020204" pitchFamily="34" charset="0"/>
               </a:rPr>
               <a:t>AI-Based Steganalysis Prevention: </a:t>
             </a:r>
@@ -4720,6 +4729,8 @@
                   <a:schemeClr val="tx1"/>
                 </a:solidFill>
                 <a:effectLst/>
+                <a:latin typeface="Arial" panose="020B0604020202020204" pitchFamily="34" charset="0"/>
+                <a:cs typeface="Arial" panose="020B0604020202020204" pitchFamily="34" charset="0"/>
               </a:rPr>
               <a:t>Implementing AI to make detection even more difficult. </a:t>
             </a:r>
@@ -4749,6 +4760,8 @@
                 <a:schemeClr val="accent2"/>
               </a:solidFill>
               <a:effectLst/>
+              <a:latin typeface="Arial" panose="020B0604020202020204" pitchFamily="34" charset="0"/>
+              <a:cs typeface="Arial" panose="020B0604020202020204" pitchFamily="34" charset="0"/>
             </a:endParaRPr>
           </a:p>
           <a:p>
@@ -4777,6 +4790,8 @@
                   <a:schemeClr val="accent2"/>
                 </a:solidFill>
                 <a:effectLst/>
+                <a:latin typeface="Arial" panose="020B0604020202020204" pitchFamily="34" charset="0"/>
+                <a:cs typeface="Arial" panose="020B0604020202020204" pitchFamily="34" charset="0"/>
               </a:rPr>
               <a:t>Multiple File Format Support</a:t>
             </a:r>
@@ -4789,6 +4804,8 @@
                   <a:schemeClr val="accent2"/>
                 </a:solidFill>
                 <a:effectLst/>
+                <a:latin typeface="Arial" panose="020B0604020202020204" pitchFamily="34" charset="0"/>
+                <a:cs typeface="Arial" panose="020B0604020202020204" pitchFamily="34" charset="0"/>
               </a:rPr>
               <a:t>: </a:t>
             </a:r>
@@ -4801,6 +4818,8 @@
                   <a:schemeClr val="tx1"/>
                 </a:solidFill>
                 <a:effectLst/>
+                <a:latin typeface="Arial" panose="020B0604020202020204" pitchFamily="34" charset="0"/>
+                <a:cs typeface="Arial" panose="020B0604020202020204" pitchFamily="34" charset="0"/>
               </a:rPr>
               <a:t>Extending functionality to videos and audio files. </a:t>
             </a:r>
@@ -4830,6 +4849,8 @@
                 <a:schemeClr val="tx1"/>
               </a:solidFill>
               <a:effectLst/>
+              <a:latin typeface="Arial" panose="020B0604020202020204" pitchFamily="34" charset="0"/>
+              <a:cs typeface="Arial" panose="020B0604020202020204" pitchFamily="34" charset="0"/>
             </a:endParaRPr>
           </a:p>
           <a:p>
@@ -4858,6 +4879,8 @@
                   <a:schemeClr val="accent2"/>
                 </a:solidFill>
                 <a:effectLst/>
+                <a:latin typeface="Arial" panose="020B0604020202020204" pitchFamily="34" charset="0"/>
+                <a:cs typeface="Arial" panose="020B0604020202020204" pitchFamily="34" charset="0"/>
               </a:rPr>
               <a:t>Cloud &amp; Web Integration: </a:t>
             </a:r>
@@ -4870,6 +4893,8 @@
                   <a:schemeClr val="tx1"/>
                 </a:solidFill>
                 <a:effectLst/>
+                <a:latin typeface="Arial" panose="020B0604020202020204" pitchFamily="34" charset="0"/>
+                <a:cs typeface="Arial" panose="020B0604020202020204" pitchFamily="34" charset="0"/>
               </a:rPr>
               <a:t>Developing a web-based or cloud platform for easy access.</a:t>
             </a:r>
@@ -4899,6 +4924,8 @@
                   <a:schemeClr val="tx1"/>
                 </a:solidFill>
                 <a:effectLst/>
+                <a:latin typeface="Arial" panose="020B0604020202020204" pitchFamily="34" charset="0"/>
+                <a:cs typeface="Arial" panose="020B0604020202020204" pitchFamily="34" charset="0"/>
               </a:rPr>
               <a:t> </a:t>
             </a:r>
@@ -4929,6 +4956,8 @@
                   <a:schemeClr val="accent2"/>
                 </a:solidFill>
                 <a:effectLst/>
+                <a:latin typeface="Arial" panose="020B0604020202020204" pitchFamily="34" charset="0"/>
+                <a:cs typeface="Arial" panose="020B0604020202020204" pitchFamily="34" charset="0"/>
               </a:rPr>
               <a:t>Increased Data Capacity: </a:t>
             </a:r>
@@ -4941,6 +4970,8 @@
                   <a:schemeClr val="tx1"/>
                 </a:solidFill>
                 <a:effectLst/>
+                <a:latin typeface="Arial" panose="020B0604020202020204" pitchFamily="34" charset="0"/>
+                <a:cs typeface="Arial" panose="020B0604020202020204" pitchFamily="34" charset="0"/>
               </a:rPr>
               <a:t>Optimizing algorithms to hide larger messages without image distortion. </a:t>
             </a:r>
@@ -4970,6 +5001,8 @@
                 <a:schemeClr val="tx1"/>
               </a:solidFill>
               <a:effectLst/>
+              <a:latin typeface="Arial" panose="020B0604020202020204" pitchFamily="34" charset="0"/>
+              <a:cs typeface="Arial" panose="020B0604020202020204" pitchFamily="34" charset="0"/>
             </a:endParaRPr>
           </a:p>
         </p:txBody>
@@ -5022,7 +5055,7 @@
         </p:nvSpPr>
         <p:spPr>
           <a:xfrm>
-            <a:off x="1463041" y="2766218"/>
+            <a:off x="1217235" y="2382760"/>
             <a:ext cx="9298744" cy="1325563"/>
           </a:xfrm>
         </p:spPr>
@@ -5032,7 +5065,7 @@
           <a:p>
             <a:pPr algn="ctr"/>
             <a:r>
-              <a:rPr lang="en-US" b="1">
+              <a:rPr lang="en-US" b="1" dirty="0">
                 <a:solidFill>
                   <a:srgbClr val="002060"/>
                 </a:solidFill>
@@ -5335,7 +5368,7 @@
           <a:lstStyle/>
           <a:p>
             <a:r>
-              <a:rPr lang="en-US" sz="4400" b="1">
+              <a:rPr lang="en-US" sz="4400" b="1" dirty="0">
                 <a:solidFill>
                   <a:schemeClr val="accent1"/>
                 </a:solidFill>
@@ -5344,7 +5377,7 @@
               </a:rPr>
               <a:t>Problem Statement</a:t>
             </a:r>
-            <a:endParaRPr lang="en-US" sz="4400"/>
+            <a:endParaRPr lang="en-US" sz="4400" dirty="0"/>
           </a:p>
         </p:txBody>
       </p:sp>
@@ -5366,7 +5399,7 @@
         </p:nvSpPr>
         <p:spPr bwMode="auto">
           <a:xfrm>
-            <a:off x="452438" y="2143097"/>
+            <a:off x="491767" y="1592490"/>
             <a:ext cx="10344499" cy="2862322"/>
           </a:xfrm>
           <a:prstGeom prst="rect">
@@ -6332,7 +6365,7 @@
           <a:lstStyle/>
           <a:p>
             <a:r>
-              <a:rPr lang="en-US" sz="3200" b="1" dirty="0">
+              <a:rPr lang="en-US" sz="4000" b="1" dirty="0">
                 <a:solidFill>
                   <a:schemeClr val="accent1"/>
                 </a:solidFill>
@@ -6342,7 +6375,7 @@
               </a:rPr>
               <a:t>Wow factors</a:t>
             </a:r>
-            <a:endParaRPr lang="en-US" sz="3200" dirty="0">
+            <a:endParaRPr lang="en-US" sz="4000" dirty="0">
               <a:solidFill>
                 <a:schemeClr val="accent1"/>
               </a:solidFill>
@@ -6889,14 +6922,18 @@
         </p:nvSpPr>
         <p:spPr/>
         <p:txBody>
-          <a:bodyPr/>
+          <a:bodyPr>
+            <a:noAutofit/>
+          </a:bodyPr>
           <a:lstStyle/>
           <a:p>
             <a:r>
-              <a:rPr lang="en-IN" dirty="0">
+              <a:rPr lang="en-IN" sz="4000" b="1" dirty="0">
                 <a:solidFill>
                   <a:schemeClr val="accent1"/>
                 </a:solidFill>
+                <a:latin typeface="Arial" panose="020B0604020202020204" pitchFamily="34" charset="0"/>
+                <a:cs typeface="Arial" panose="020B0604020202020204" pitchFamily="34" charset="0"/>
               </a:rPr>
               <a:t>End users</a:t>
             </a:r>
@@ -6921,7 +6958,7 @@
         </p:nvSpPr>
         <p:spPr bwMode="auto">
           <a:xfrm>
-            <a:off x="519794" y="2003595"/>
+            <a:off x="519794" y="1561143"/>
             <a:ext cx="11152412" cy="2031325"/>
           </a:xfrm>
           <a:prstGeom prst="rect">
@@ -7328,14 +7365,18 @@
         </p:nvSpPr>
         <p:spPr/>
         <p:txBody>
-          <a:bodyPr/>
+          <a:bodyPr>
+            <a:noAutofit/>
+          </a:bodyPr>
           <a:lstStyle/>
           <a:p>
             <a:r>
-              <a:rPr lang="en-IN" dirty="0">
+              <a:rPr lang="en-IN" sz="4000" b="1" dirty="0">
                 <a:solidFill>
                   <a:schemeClr val="accent1"/>
                 </a:solidFill>
+                <a:latin typeface="Arial" panose="020B0604020202020204" pitchFamily="34" charset="0"/>
+                <a:cs typeface="Arial" panose="020B0604020202020204" pitchFamily="34" charset="0"/>
               </a:rPr>
               <a:t>Results</a:t>
             </a:r>
@@ -7693,14 +7734,18 @@
         </p:nvSpPr>
         <p:spPr/>
         <p:txBody>
-          <a:bodyPr/>
+          <a:bodyPr>
+            <a:noAutofit/>
+          </a:bodyPr>
           <a:lstStyle/>
           <a:p>
             <a:r>
-              <a:rPr lang="en-IN" dirty="0">
+              <a:rPr lang="en-IN" sz="4000" b="1" dirty="0">
                 <a:solidFill>
                   <a:schemeClr val="accent1"/>
                 </a:solidFill>
+                <a:latin typeface="Arial" panose="020B0604020202020204" pitchFamily="34" charset="0"/>
+                <a:cs typeface="Arial" panose="020B0604020202020204" pitchFamily="34" charset="0"/>
               </a:rPr>
               <a:t>Conclusion</a:t>
             </a:r>
@@ -7725,7 +7770,7 @@
         </p:nvSpPr>
         <p:spPr bwMode="auto">
           <a:xfrm>
-            <a:off x="739588" y="1924495"/>
+            <a:off x="503614" y="1826172"/>
             <a:ext cx="9407302" cy="1754326"/>
           </a:xfrm>
           <a:prstGeom prst="rect">
@@ -7796,6 +7841,8 @@
                   <a:schemeClr val="tx1"/>
                 </a:solidFill>
                 <a:effectLst/>
+                <a:latin typeface="Arial" panose="020B0604020202020204" pitchFamily="34" charset="0"/>
+                <a:cs typeface="Arial" panose="020B0604020202020204" pitchFamily="34" charset="0"/>
               </a:rPr>
               <a:t>This project provides a secure way to hide messages within images using steganography, ensuring confidentiality. </a:t>
             </a:r>
@@ -7823,6 +7870,8 @@
                 <a:schemeClr val="tx1"/>
               </a:solidFill>
               <a:effectLst/>
+              <a:latin typeface="Arial" panose="020B0604020202020204" pitchFamily="34" charset="0"/>
+              <a:cs typeface="Arial" panose="020B0604020202020204" pitchFamily="34" charset="0"/>
             </a:endParaRPr>
           </a:p>
           <a:p>
@@ -7848,6 +7897,8 @@
                   <a:schemeClr val="tx1"/>
                 </a:solidFill>
                 <a:effectLst/>
+                <a:latin typeface="Arial" panose="020B0604020202020204" pitchFamily="34" charset="0"/>
+                <a:cs typeface="Arial" panose="020B0604020202020204" pitchFamily="34" charset="0"/>
               </a:rPr>
               <a:t>The added passcode authentication prevents unauthorized access, making it more secure than traditional encryption. It offers a covert, efficient solution for safe data transmission in cybersecurity and other sensitive fields.</a:t>
             </a:r>
@@ -7902,14 +7953,18 @@
         </p:nvSpPr>
         <p:spPr/>
         <p:txBody>
-          <a:bodyPr/>
+          <a:bodyPr>
+            <a:noAutofit/>
+          </a:bodyPr>
           <a:lstStyle/>
           <a:p>
             <a:r>
-              <a:rPr lang="en-IN" dirty="0">
+              <a:rPr lang="en-IN" sz="4000" b="1" dirty="0">
                 <a:solidFill>
                   <a:schemeClr val="accent1"/>
                 </a:solidFill>
+                <a:latin typeface="Arial" panose="020B0604020202020204" pitchFamily="34" charset="0"/>
+                <a:cs typeface="Arial" panose="020B0604020202020204" pitchFamily="34" charset="0"/>
               </a:rPr>
               <a:t>GitHub Link</a:t>
             </a:r>
@@ -7932,7 +7987,12 @@
             <p:ph idx="1"/>
           </p:nvPr>
         </p:nvSpPr>
-        <p:spPr/>
+        <p:spPr>
+          <a:xfrm>
+            <a:off x="581192" y="1302026"/>
+            <a:ext cx="11029615" cy="929897"/>
+          </a:xfrm>
+        </p:spPr>
         <p:txBody>
           <a:bodyPr/>
           <a:lstStyle/>
@@ -8529,6 +8589,15 @@
 </file>
 
 <file path=customXml/item1.xml><?xml version="1.0" encoding="utf-8"?>
+<?mso-contentType ?>
+<FormTemplates xmlns="http://schemas.microsoft.com/sharepoint/v3/contenttype/forms">
+  <Display>DocumentLibraryForm</Display>
+  <Edit>DocumentLibraryForm</Edit>
+  <New>DocumentLibraryForm</New>
+</FormTemplates>
+</file>
+
+<file path=customXml/item2.xml><?xml version="1.0" encoding="utf-8"?>
 <ct:contentTypeSchema xmlns:ct="http://schemas.microsoft.com/office/2006/metadata/contentType" xmlns:ma="http://schemas.microsoft.com/office/2006/metadata/properties/metaAttributes" ct:_="" ma:_="" ma:contentTypeName="Document" ma:contentTypeID="0x0101007F0268AC5E70984D8FE60B7154176407" ma:contentTypeVersion="15" ma:contentTypeDescription="Create a new document." ma:contentTypeScope="" ma:versionID="104e359103f0f57b1cf9676756e5b944">
   <xsd:schema xmlns:xsd="http://www.w3.org/2001/XMLSchema" xmlns:xs="http://www.w3.org/2001/XMLSchema" xmlns:p="http://schemas.microsoft.com/office/2006/metadata/properties" xmlns:ns3="b30265f8-c5e2-4918-b4a1-b977299ca3e2" xmlns:ns4="fadb41d3-f9cb-40fb-903c-8cacaba95bb5" targetNamespace="http://schemas.microsoft.com/office/2006/metadata/properties" ma:root="true" ma:fieldsID="5615b8f8aa772998bad551f24a33de0e" ns3:_="" ns4:_="">
     <xsd:import namespace="b30265f8-c5e2-4918-b4a1-b977299ca3e2"/>
@@ -8761,15 +8830,6 @@
 </ct:contentTypeSchema>
 </file>
 
-<file path=customXml/item2.xml><?xml version="1.0" encoding="utf-8"?>
-<?mso-contentType ?>
-<FormTemplates xmlns="http://schemas.microsoft.com/sharepoint/v3/contenttype/forms">
-  <Display>DocumentLibraryForm</Display>
-  <Edit>DocumentLibraryForm</Edit>
-  <New>DocumentLibraryForm</New>
-</FormTemplates>
-</file>
-
 <file path=customXml/item3.xml><?xml version="1.0" encoding="utf-8"?>
 <p:properties xmlns:p="http://schemas.microsoft.com/office/2006/metadata/properties" xmlns:xsi="http://www.w3.org/2001/XMLSchema-instance" xmlns:pc="http://schemas.microsoft.com/office/infopath/2007/PartnerControls">
   <documentManagement>
@@ -8779,6 +8839,14 @@
 </file>
 
 <file path=customXml/itemProps1.xml><?xml version="1.0" encoding="utf-8"?>
+<ds:datastoreItem xmlns:ds="http://schemas.openxmlformats.org/officeDocument/2006/customXml" ds:itemID="{927BD4C1-B6B1-4715-ABF9-E660A51A4EA0}">
+  <ds:schemaRefs>
+    <ds:schemaRef ds:uri="http://schemas.microsoft.com/sharepoint/v3/contenttype/forms"/>
+  </ds:schemaRefs>
+</ds:datastoreItem>
+</file>
+
+<file path=customXml/itemProps2.xml><?xml version="1.0" encoding="utf-8"?>
 <ds:datastoreItem xmlns:ds="http://schemas.openxmlformats.org/officeDocument/2006/customXml" ds:itemID="{9DD71778-17EE-4151-88AE-C8F4E8043BD9}">
   <ds:schemaRefs>
     <ds:schemaRef ds:uri="http://schemas.microsoft.com/office/2006/metadata/contentType"/>
@@ -8793,14 +8861,6 @@
     <ds:schemaRef ds:uri="http://purl.org/dc/elements/1.1/"/>
     <ds:schemaRef ds:uri="http://purl.org/dc/terms/"/>
     <ds:schemaRef ds:uri="http://schemas.microsoft.com/internal/obd"/>
-  </ds:schemaRefs>
-</ds:datastoreItem>
-</file>
-
-<file path=customXml/itemProps2.xml><?xml version="1.0" encoding="utf-8"?>
-<ds:datastoreItem xmlns:ds="http://schemas.openxmlformats.org/officeDocument/2006/customXml" ds:itemID="{927BD4C1-B6B1-4715-ABF9-E660A51A4EA0}">
-  <ds:schemaRefs>
-    <ds:schemaRef ds:uri="http://schemas.microsoft.com/sharepoint/v3/contenttype/forms"/>
   </ds:schemaRefs>
 </ds:datastoreItem>
 </file>
